--- a/round2_metareview/analyze_data/final_figs_panels_captions.pptx
+++ b/round2_metareview/analyze_data/final_figs_panels_captions.pptx
@@ -110,6 +110,11 @@
       </a:defRPr>
     </a:lvl9pPr>
   </p:defaultTextStyle>
+  <p:extLst>
+    <p:ext uri="{EFAFB233-063F-42B5-8137-9DF3F51BA10A}">
+      <p15:sldGuideLst xmlns:p15="http://schemas.microsoft.com/office/powerpoint/2012/main"/>
+    </p:ext>
+  </p:extLst>
 </p:presentation>
 </file>
 
@@ -195,7 +200,7 @@
           <a:p>
             <a:fld id="{20EA15AE-FF63-4F4D-A2FD-03B9E7A82F40}" type="datetimeFigureOut">
               <a:rPr lang="en-US" smtClean="0"/>
-              <a:t>9/8/20</a:t>
+              <a:t>9/22/20</a:t>
             </a:fld>
             <a:endParaRPr lang="en-US"/>
           </a:p>
@@ -677,7 +682,7 @@
           <a:p>
             <a:fld id="{FC4BC5D0-3B55-DC48-B529-81F5DD0CF86E}" type="datetimeFigureOut">
               <a:rPr lang="en-US" smtClean="0"/>
-              <a:t>9/8/20</a:t>
+              <a:t>9/22/20</a:t>
             </a:fld>
             <a:endParaRPr lang="en-US"/>
           </a:p>
@@ -847,7 +852,7 @@
           <a:p>
             <a:fld id="{FC4BC5D0-3B55-DC48-B529-81F5DD0CF86E}" type="datetimeFigureOut">
               <a:rPr lang="en-US" smtClean="0"/>
-              <a:t>9/8/20</a:t>
+              <a:t>9/22/20</a:t>
             </a:fld>
             <a:endParaRPr lang="en-US"/>
           </a:p>
@@ -1027,7 +1032,7 @@
           <a:p>
             <a:fld id="{FC4BC5D0-3B55-DC48-B529-81F5DD0CF86E}" type="datetimeFigureOut">
               <a:rPr lang="en-US" smtClean="0"/>
-              <a:t>9/8/20</a:t>
+              <a:t>9/22/20</a:t>
             </a:fld>
             <a:endParaRPr lang="en-US"/>
           </a:p>
@@ -1197,7 +1202,7 @@
           <a:p>
             <a:fld id="{FC4BC5D0-3B55-DC48-B529-81F5DD0CF86E}" type="datetimeFigureOut">
               <a:rPr lang="en-US" smtClean="0"/>
-              <a:t>9/8/20</a:t>
+              <a:t>9/22/20</a:t>
             </a:fld>
             <a:endParaRPr lang="en-US"/>
           </a:p>
@@ -1441,7 +1446,7 @@
           <a:p>
             <a:fld id="{FC4BC5D0-3B55-DC48-B529-81F5DD0CF86E}" type="datetimeFigureOut">
               <a:rPr lang="en-US" smtClean="0"/>
-              <a:t>9/8/20</a:t>
+              <a:t>9/22/20</a:t>
             </a:fld>
             <a:endParaRPr lang="en-US"/>
           </a:p>
@@ -1673,7 +1678,7 @@
           <a:p>
             <a:fld id="{FC4BC5D0-3B55-DC48-B529-81F5DD0CF86E}" type="datetimeFigureOut">
               <a:rPr lang="en-US" smtClean="0"/>
-              <a:t>9/8/20</a:t>
+              <a:t>9/22/20</a:t>
             </a:fld>
             <a:endParaRPr lang="en-US"/>
           </a:p>
@@ -2040,7 +2045,7 @@
           <a:p>
             <a:fld id="{FC4BC5D0-3B55-DC48-B529-81F5DD0CF86E}" type="datetimeFigureOut">
               <a:rPr lang="en-US" smtClean="0"/>
-              <a:t>9/8/20</a:t>
+              <a:t>9/22/20</a:t>
             </a:fld>
             <a:endParaRPr lang="en-US"/>
           </a:p>
@@ -2158,7 +2163,7 @@
           <a:p>
             <a:fld id="{FC4BC5D0-3B55-DC48-B529-81F5DD0CF86E}" type="datetimeFigureOut">
               <a:rPr lang="en-US" smtClean="0"/>
-              <a:t>9/8/20</a:t>
+              <a:t>9/22/20</a:t>
             </a:fld>
             <a:endParaRPr lang="en-US"/>
           </a:p>
@@ -2253,7 +2258,7 @@
           <a:p>
             <a:fld id="{FC4BC5D0-3B55-DC48-B529-81F5DD0CF86E}" type="datetimeFigureOut">
               <a:rPr lang="en-US" smtClean="0"/>
-              <a:t>9/8/20</a:t>
+              <a:t>9/22/20</a:t>
             </a:fld>
             <a:endParaRPr lang="en-US"/>
           </a:p>
@@ -2530,7 +2535,7 @@
           <a:p>
             <a:fld id="{FC4BC5D0-3B55-DC48-B529-81F5DD0CF86E}" type="datetimeFigureOut">
               <a:rPr lang="en-US" smtClean="0"/>
-              <a:t>9/8/20</a:t>
+              <a:t>9/22/20</a:t>
             </a:fld>
             <a:endParaRPr lang="en-US"/>
           </a:p>
@@ -2787,7 +2792,7 @@
           <a:p>
             <a:fld id="{FC4BC5D0-3B55-DC48-B529-81F5DD0CF86E}" type="datetimeFigureOut">
               <a:rPr lang="en-US" smtClean="0"/>
-              <a:t>9/8/20</a:t>
+              <a:t>9/22/20</a:t>
             </a:fld>
             <a:endParaRPr lang="en-US"/>
           </a:p>
@@ -3000,7 +3005,7 @@
           <a:p>
             <a:fld id="{FC4BC5D0-3B55-DC48-B529-81F5DD0CF86E}" type="datetimeFigureOut">
               <a:rPr lang="en-US" smtClean="0"/>
-              <a:t>9/8/20</a:t>
+              <a:t>9/22/20</a:t>
             </a:fld>
             <a:endParaRPr lang="en-US"/>
           </a:p>
@@ -3745,7 +3750,7 @@
         <p:spPr>
           <a:xfrm>
             <a:off x="0" y="5549044"/>
-            <a:ext cx="6400800" cy="1200329"/>
+            <a:ext cx="6400800" cy="1384995"/>
           </a:xfrm>
           <a:prstGeom prst="rect">
             <a:avLst/>
@@ -3760,7 +3765,7 @@
           <a:p>
             <a:r>
               <a:rPr lang="en-US" sz="1200" dirty="0"/>
-              <a:t>Figure X. (A) shows a map of ecosystem services study locations by continent or ocean. Not shown options from survey: Global Terrestrial X%, Global Marine X%. (B) shows the proportion of studies conducted in four major categories of study system. For all categories, see SI. (C) shows the proportion of studies for which each method type was used. (D) shows the proportion of studies conducted for each spatial extent. (E) shows the proportion of studies that either did not consider time, or the number of years over which the study was conducted if the study considered time.</a:t>
+              <a:t>Figure X. (A) shows a map of ecosystem services study locations by continent or ocean. Not shown options from survey: Global Terrestrial 2%, Global Marine 1%, Indian Ocean 0%. (B) shows the proportion of studies conducted in four major categories of study system. For all categories, see SI.X. (C) shows the proportion of studies for which each method type was used. (D) shows the proportion of studies conducted for each spatial extent (DEF’S?). (E) shows the proportion of studies that either did not consider time, or the number of years over which the study was conducted if the study considered time.</a:t>
             </a:r>
           </a:p>
         </p:txBody>
@@ -3944,7 +3949,7 @@
           <a:p>
             <a:r>
               <a:rPr lang="en-US" sz="1200" dirty="0"/>
-              <a:t>Figure X. (A) is a Venn diagram that shows the proportion of studies that incorporate human, biotic, and environmental drivers, and each of their combinations. (B), (C), and (D) show the most common types of biotic, human, and environmental drivers, respectively. Driver types shown here are binned categories based on the text entered in the survey.</a:t>
+              <a:t>Figure X. (A) is a Venn diagram that shows the proportion of studies that incorporate human, biotic, and environmental drivers, and each of their combinations. (B), (C), and (D) show the most common types of biotic, human, and environmental drivers, respectively. Driver types shown here are binned categories based on the text entered in the survey (INFO IN SI).</a:t>
             </a:r>
           </a:p>
         </p:txBody>
@@ -4473,7 +4478,7 @@
           <a:p>
             <a:r>
               <a:rPr lang="en-US" sz="1200" dirty="0"/>
-              <a:t>Figure X. (A) shows the proportion of studies that studied each ecosystem service type. Studies that studied multiple ecosystem service types are included in both types. (B) shows the number of studies (width of chords) in which each pair of ecosystem service types were studied together. For a link to an interactive plot, see the SI. Parts (C), (D), and (E) show the proportion of studies that considered time, spatial connectivity, and multiple spatial scales, respectively, with the black bars. The light gray bars show overall proportion of studies that studied each ecosystem service type. The vertical yellow bar indicates the proportion of studies that considered time, spatial connectivity, and multiple spatial scales expected if that ecosystem service type mirrored the overall trend.</a:t>
+              <a:t>Figure X. (A) shows the proportion of studies that studied each ecosystem service type. Studies that studied multiple ecosystem service types are included in both types. (B) shows the number of studies (width of chords) in which each pair of ecosystem service types were studied together. For a link to an interactive plot, see the SI. Parts (C), (D), and (E) show the proportion of studies that considered time, spatial connectivity, and multiple spatial scales, respectively, with the black bars. The light gray bars show overall proportion of studies that studied each ecosystem service type. The vertical yellow line indicates the expected proportion of studies that considered time, spatial connectivity, and multiple spatial scales if that ecosystem service type mirrored the overall trend.</a:t>
             </a:r>
           </a:p>
         </p:txBody>
